--- a/ppt 16-9/1447.我的力量！我.pptx
+++ b/ppt 16-9/1447.我的力量！我.pptx
@@ -5,7 +5,7 @@
     <p:sldMasterId id="2147483648" r:id="rId1"/>
   </p:sldMasterIdLst>
   <p:sldIdLst>
-    <p:sldId id="1018" r:id="rId2"/>
+    <p:sldId id="1019" r:id="rId2"/>
   </p:sldIdLst>
   <p:sldSz cx="12192000" cy="6858000"/>
   <p:notesSz cx="6858000" cy="9144000"/>
@@ -129,7 +129,7 @@
           <p:cNvPr id="2" name="标题 1">
             <a:extLst>
               <a:ext uri="{FF2B5EF4-FFF2-40B4-BE49-F238E27FC236}">
-                <a16:creationId xmlns:a16="http://schemas.microsoft.com/office/drawing/2014/main" id="{DBC227FF-46A0-BBC2-9326-AF2D846A5377}"/>
+                <a16:creationId xmlns:a16="http://schemas.microsoft.com/office/drawing/2014/main" id="{0513B4FB-A180-BC47-6045-7102AAED0F8C}"/>
               </a:ext>
             </a:extLst>
           </p:cNvPr>
@@ -166,7 +166,7 @@
           <p:cNvPr id="3" name="副标题 2">
             <a:extLst>
               <a:ext uri="{FF2B5EF4-FFF2-40B4-BE49-F238E27FC236}">
-                <a16:creationId xmlns:a16="http://schemas.microsoft.com/office/drawing/2014/main" id="{CC3CF784-BD2F-E2A7-E8F1-2ABFD85DA03F}"/>
+                <a16:creationId xmlns:a16="http://schemas.microsoft.com/office/drawing/2014/main" id="{B9E3BA54-9D51-A52B-0F70-2E13C8AF849A}"/>
               </a:ext>
             </a:extLst>
           </p:cNvPr>
@@ -236,7 +236,7 @@
           <p:cNvPr id="4" name="日期占位符 3">
             <a:extLst>
               <a:ext uri="{FF2B5EF4-FFF2-40B4-BE49-F238E27FC236}">
-                <a16:creationId xmlns:a16="http://schemas.microsoft.com/office/drawing/2014/main" id="{0678A992-C187-51DC-910C-D845C3573543}"/>
+                <a16:creationId xmlns:a16="http://schemas.microsoft.com/office/drawing/2014/main" id="{DFDB5111-7F05-6944-EAEB-E87E2D078302}"/>
               </a:ext>
             </a:extLst>
           </p:cNvPr>
@@ -252,7 +252,7 @@
           <a:bodyPr/>
           <a:lstStyle/>
           <a:p>
-            <a:fld id="{B59A094B-B5FB-4C5F-80DE-C41D923D59B5}" type="datetimeFigureOut">
+            <a:fld id="{DEB90B9B-9A0C-401F-9CBB-342A2CAD2030}" type="datetimeFigureOut">
               <a:rPr lang="zh-CN" altLang="en-US" smtClean="0"/>
               <a:t>2024/3/10</a:t>
             </a:fld>
@@ -265,7 +265,7 @@
           <p:cNvPr id="5" name="页脚占位符 4">
             <a:extLst>
               <a:ext uri="{FF2B5EF4-FFF2-40B4-BE49-F238E27FC236}">
-                <a16:creationId xmlns:a16="http://schemas.microsoft.com/office/drawing/2014/main" id="{0CED7DF1-357C-ECDA-0848-432FE6C23971}"/>
+                <a16:creationId xmlns:a16="http://schemas.microsoft.com/office/drawing/2014/main" id="{E399F123-F315-8137-B149-0F1A4A1C62D4}"/>
               </a:ext>
             </a:extLst>
           </p:cNvPr>
@@ -290,7 +290,7 @@
           <p:cNvPr id="6" name="灯片编号占位符 5">
             <a:extLst>
               <a:ext uri="{FF2B5EF4-FFF2-40B4-BE49-F238E27FC236}">
-                <a16:creationId xmlns:a16="http://schemas.microsoft.com/office/drawing/2014/main" id="{13990BE0-49B4-8C96-4F04-994391926932}"/>
+                <a16:creationId xmlns:a16="http://schemas.microsoft.com/office/drawing/2014/main" id="{CDFAD131-1E73-0D9D-76F4-0328E8FF3CA1}"/>
               </a:ext>
             </a:extLst>
           </p:cNvPr>
@@ -306,7 +306,7 @@
           <a:bodyPr/>
           <a:lstStyle/>
           <a:p>
-            <a:fld id="{AEDE98C0-8C4B-46D2-BDFF-C8BED06D48B7}" type="slidenum">
+            <a:fld id="{8A549A7A-79D8-4043-9FD9-5F04594BB898}" type="slidenum">
               <a:rPr lang="zh-CN" altLang="en-US" smtClean="0"/>
               <a:t>‹#›</a:t>
             </a:fld>
@@ -317,7 +317,7 @@
     </p:spTree>
     <p:extLst>
       <p:ext uri="{BB962C8B-B14F-4D97-AF65-F5344CB8AC3E}">
-        <p14:creationId xmlns:p14="http://schemas.microsoft.com/office/powerpoint/2010/main" val="2347919629"/>
+        <p14:creationId xmlns:p14="http://schemas.microsoft.com/office/powerpoint/2010/main" val="1653137478"/>
       </p:ext>
     </p:extLst>
   </p:cSld>
@@ -349,7 +349,7 @@
           <p:cNvPr id="2" name="标题 1">
             <a:extLst>
               <a:ext uri="{FF2B5EF4-FFF2-40B4-BE49-F238E27FC236}">
-                <a16:creationId xmlns:a16="http://schemas.microsoft.com/office/drawing/2014/main" id="{20DEC0D7-06AD-8F22-1701-1346E1A215C7}"/>
+                <a16:creationId xmlns:a16="http://schemas.microsoft.com/office/drawing/2014/main" id="{670BE1D7-5CDA-A1E3-25DA-DE5CED0D4329}"/>
               </a:ext>
             </a:extLst>
           </p:cNvPr>
@@ -377,7 +377,7 @@
           <p:cNvPr id="3" name="竖排文字占位符 2">
             <a:extLst>
               <a:ext uri="{FF2B5EF4-FFF2-40B4-BE49-F238E27FC236}">
-                <a16:creationId xmlns:a16="http://schemas.microsoft.com/office/drawing/2014/main" id="{56E2F284-DA68-F96D-D9C5-8F54E224F6E4}"/>
+                <a16:creationId xmlns:a16="http://schemas.microsoft.com/office/drawing/2014/main" id="{BFBC4FF1-D306-72AF-7623-9078D652B65D}"/>
               </a:ext>
             </a:extLst>
           </p:cNvPr>
@@ -434,7 +434,7 @@
           <p:cNvPr id="4" name="日期占位符 3">
             <a:extLst>
               <a:ext uri="{FF2B5EF4-FFF2-40B4-BE49-F238E27FC236}">
-                <a16:creationId xmlns:a16="http://schemas.microsoft.com/office/drawing/2014/main" id="{3A36CDC4-F411-EF38-88E5-B0B0B57FF734}"/>
+                <a16:creationId xmlns:a16="http://schemas.microsoft.com/office/drawing/2014/main" id="{49B588CD-989B-B185-A9DB-A62D18FA4D9B}"/>
               </a:ext>
             </a:extLst>
           </p:cNvPr>
@@ -450,7 +450,7 @@
           <a:bodyPr/>
           <a:lstStyle/>
           <a:p>
-            <a:fld id="{B59A094B-B5FB-4C5F-80DE-C41D923D59B5}" type="datetimeFigureOut">
+            <a:fld id="{DEB90B9B-9A0C-401F-9CBB-342A2CAD2030}" type="datetimeFigureOut">
               <a:rPr lang="zh-CN" altLang="en-US" smtClean="0"/>
               <a:t>2024/3/10</a:t>
             </a:fld>
@@ -463,7 +463,7 @@
           <p:cNvPr id="5" name="页脚占位符 4">
             <a:extLst>
               <a:ext uri="{FF2B5EF4-FFF2-40B4-BE49-F238E27FC236}">
-                <a16:creationId xmlns:a16="http://schemas.microsoft.com/office/drawing/2014/main" id="{4C0741C7-E617-B05B-E9A5-91EAB74CF9BA}"/>
+                <a16:creationId xmlns:a16="http://schemas.microsoft.com/office/drawing/2014/main" id="{018BDF3A-8E58-FBFF-E4B7-C063A5EE4339}"/>
               </a:ext>
             </a:extLst>
           </p:cNvPr>
@@ -488,7 +488,7 @@
           <p:cNvPr id="6" name="灯片编号占位符 5">
             <a:extLst>
               <a:ext uri="{FF2B5EF4-FFF2-40B4-BE49-F238E27FC236}">
-                <a16:creationId xmlns:a16="http://schemas.microsoft.com/office/drawing/2014/main" id="{FF66ADE2-2823-ED0A-1EF1-CE0D76E6B139}"/>
+                <a16:creationId xmlns:a16="http://schemas.microsoft.com/office/drawing/2014/main" id="{D7AC934D-DDEF-9663-EF9E-FFEE75009554}"/>
               </a:ext>
             </a:extLst>
           </p:cNvPr>
@@ -504,7 +504,7 @@
           <a:bodyPr/>
           <a:lstStyle/>
           <a:p>
-            <a:fld id="{AEDE98C0-8C4B-46D2-BDFF-C8BED06D48B7}" type="slidenum">
+            <a:fld id="{8A549A7A-79D8-4043-9FD9-5F04594BB898}" type="slidenum">
               <a:rPr lang="zh-CN" altLang="en-US" smtClean="0"/>
               <a:t>‹#›</a:t>
             </a:fld>
@@ -515,7 +515,7 @@
     </p:spTree>
     <p:extLst>
       <p:ext uri="{BB962C8B-B14F-4D97-AF65-F5344CB8AC3E}">
-        <p14:creationId xmlns:p14="http://schemas.microsoft.com/office/powerpoint/2010/main" val="1461941011"/>
+        <p14:creationId xmlns:p14="http://schemas.microsoft.com/office/powerpoint/2010/main" val="1693672327"/>
       </p:ext>
     </p:extLst>
   </p:cSld>
@@ -547,7 +547,7 @@
           <p:cNvPr id="2" name="竖排标题 1">
             <a:extLst>
               <a:ext uri="{FF2B5EF4-FFF2-40B4-BE49-F238E27FC236}">
-                <a16:creationId xmlns:a16="http://schemas.microsoft.com/office/drawing/2014/main" id="{19C94133-E5F6-4BCE-04EB-8028EB6295DA}"/>
+                <a16:creationId xmlns:a16="http://schemas.microsoft.com/office/drawing/2014/main" id="{80ADCFC1-0F9C-9790-4FA3-4397B8BF1B66}"/>
               </a:ext>
             </a:extLst>
           </p:cNvPr>
@@ -580,7 +580,7 @@
           <p:cNvPr id="3" name="竖排文字占位符 2">
             <a:extLst>
               <a:ext uri="{FF2B5EF4-FFF2-40B4-BE49-F238E27FC236}">
-                <a16:creationId xmlns:a16="http://schemas.microsoft.com/office/drawing/2014/main" id="{7AA95E17-F7DB-BF47-7976-C2DE175725E3}"/>
+                <a16:creationId xmlns:a16="http://schemas.microsoft.com/office/drawing/2014/main" id="{C6653E38-77BF-F7B2-4993-BC6BCB476DFE}"/>
               </a:ext>
             </a:extLst>
           </p:cNvPr>
@@ -642,7 +642,7 @@
           <p:cNvPr id="4" name="日期占位符 3">
             <a:extLst>
               <a:ext uri="{FF2B5EF4-FFF2-40B4-BE49-F238E27FC236}">
-                <a16:creationId xmlns:a16="http://schemas.microsoft.com/office/drawing/2014/main" id="{C7F7FC38-4820-B6AE-1F4B-5D614356BFD2}"/>
+                <a16:creationId xmlns:a16="http://schemas.microsoft.com/office/drawing/2014/main" id="{41BB5065-BDAD-07C4-82F3-BE80A7028F5A}"/>
               </a:ext>
             </a:extLst>
           </p:cNvPr>
@@ -658,7 +658,7 @@
           <a:bodyPr/>
           <a:lstStyle/>
           <a:p>
-            <a:fld id="{B59A094B-B5FB-4C5F-80DE-C41D923D59B5}" type="datetimeFigureOut">
+            <a:fld id="{DEB90B9B-9A0C-401F-9CBB-342A2CAD2030}" type="datetimeFigureOut">
               <a:rPr lang="zh-CN" altLang="en-US" smtClean="0"/>
               <a:t>2024/3/10</a:t>
             </a:fld>
@@ -671,7 +671,7 @@
           <p:cNvPr id="5" name="页脚占位符 4">
             <a:extLst>
               <a:ext uri="{FF2B5EF4-FFF2-40B4-BE49-F238E27FC236}">
-                <a16:creationId xmlns:a16="http://schemas.microsoft.com/office/drawing/2014/main" id="{12994FFB-FE3E-720A-551A-AE5318C2D984}"/>
+                <a16:creationId xmlns:a16="http://schemas.microsoft.com/office/drawing/2014/main" id="{83D89B5C-7795-CFE3-71F5-6503172C69AB}"/>
               </a:ext>
             </a:extLst>
           </p:cNvPr>
@@ -696,7 +696,7 @@
           <p:cNvPr id="6" name="灯片编号占位符 5">
             <a:extLst>
               <a:ext uri="{FF2B5EF4-FFF2-40B4-BE49-F238E27FC236}">
-                <a16:creationId xmlns:a16="http://schemas.microsoft.com/office/drawing/2014/main" id="{653A8545-B2A8-AEE7-8A6C-DDF88676D434}"/>
+                <a16:creationId xmlns:a16="http://schemas.microsoft.com/office/drawing/2014/main" id="{9371F0CB-6626-9D67-3682-CE0F384EFD6F}"/>
               </a:ext>
             </a:extLst>
           </p:cNvPr>
@@ -712,7 +712,7 @@
           <a:bodyPr/>
           <a:lstStyle/>
           <a:p>
-            <a:fld id="{AEDE98C0-8C4B-46D2-BDFF-C8BED06D48B7}" type="slidenum">
+            <a:fld id="{8A549A7A-79D8-4043-9FD9-5F04594BB898}" type="slidenum">
               <a:rPr lang="zh-CN" altLang="en-US" smtClean="0"/>
               <a:t>‹#›</a:t>
             </a:fld>
@@ -723,7 +723,7 @@
     </p:spTree>
     <p:extLst>
       <p:ext uri="{BB962C8B-B14F-4D97-AF65-F5344CB8AC3E}">
-        <p14:creationId xmlns:p14="http://schemas.microsoft.com/office/powerpoint/2010/main" val="3329884663"/>
+        <p14:creationId xmlns:p14="http://schemas.microsoft.com/office/powerpoint/2010/main" val="738939025"/>
       </p:ext>
     </p:extLst>
   </p:cSld>
@@ -755,7 +755,7 @@
           <p:cNvPr id="2" name="标题 1">
             <a:extLst>
               <a:ext uri="{FF2B5EF4-FFF2-40B4-BE49-F238E27FC236}">
-                <a16:creationId xmlns:a16="http://schemas.microsoft.com/office/drawing/2014/main" id="{D9BFC876-4F95-9D23-73A0-700F28E986C0}"/>
+                <a16:creationId xmlns:a16="http://schemas.microsoft.com/office/drawing/2014/main" id="{3B9D570A-5DEC-5685-2ABF-928E34BE65B8}"/>
               </a:ext>
             </a:extLst>
           </p:cNvPr>
@@ -783,7 +783,7 @@
           <p:cNvPr id="3" name="内容占位符 2">
             <a:extLst>
               <a:ext uri="{FF2B5EF4-FFF2-40B4-BE49-F238E27FC236}">
-                <a16:creationId xmlns:a16="http://schemas.microsoft.com/office/drawing/2014/main" id="{EFD31219-714E-B00B-3743-F06F860A5888}"/>
+                <a16:creationId xmlns:a16="http://schemas.microsoft.com/office/drawing/2014/main" id="{27888750-669E-39C5-428C-CAAB25ECE264}"/>
               </a:ext>
             </a:extLst>
           </p:cNvPr>
@@ -840,7 +840,7 @@
           <p:cNvPr id="4" name="日期占位符 3">
             <a:extLst>
               <a:ext uri="{FF2B5EF4-FFF2-40B4-BE49-F238E27FC236}">
-                <a16:creationId xmlns:a16="http://schemas.microsoft.com/office/drawing/2014/main" id="{C05EB1DF-1EEC-088A-2DD2-223D70D5C9E8}"/>
+                <a16:creationId xmlns:a16="http://schemas.microsoft.com/office/drawing/2014/main" id="{0546F0FF-1B59-C711-7934-D3111B1D0FB3}"/>
               </a:ext>
             </a:extLst>
           </p:cNvPr>
@@ -856,7 +856,7 @@
           <a:bodyPr/>
           <a:lstStyle/>
           <a:p>
-            <a:fld id="{B59A094B-B5FB-4C5F-80DE-C41D923D59B5}" type="datetimeFigureOut">
+            <a:fld id="{DEB90B9B-9A0C-401F-9CBB-342A2CAD2030}" type="datetimeFigureOut">
               <a:rPr lang="zh-CN" altLang="en-US" smtClean="0"/>
               <a:t>2024/3/10</a:t>
             </a:fld>
@@ -869,7 +869,7 @@
           <p:cNvPr id="5" name="页脚占位符 4">
             <a:extLst>
               <a:ext uri="{FF2B5EF4-FFF2-40B4-BE49-F238E27FC236}">
-                <a16:creationId xmlns:a16="http://schemas.microsoft.com/office/drawing/2014/main" id="{9DD0DB85-B457-C702-A531-5787DB28F23C}"/>
+                <a16:creationId xmlns:a16="http://schemas.microsoft.com/office/drawing/2014/main" id="{17EB5CF1-7043-3D72-E75D-48B636718173}"/>
               </a:ext>
             </a:extLst>
           </p:cNvPr>
@@ -894,7 +894,7 @@
           <p:cNvPr id="6" name="灯片编号占位符 5">
             <a:extLst>
               <a:ext uri="{FF2B5EF4-FFF2-40B4-BE49-F238E27FC236}">
-                <a16:creationId xmlns:a16="http://schemas.microsoft.com/office/drawing/2014/main" id="{B94BBBE7-9DEC-3115-779B-6BE1EEA530B5}"/>
+                <a16:creationId xmlns:a16="http://schemas.microsoft.com/office/drawing/2014/main" id="{2F90D6C0-C4B3-B5EA-C5B4-799980290256}"/>
               </a:ext>
             </a:extLst>
           </p:cNvPr>
@@ -910,7 +910,7 @@
           <a:bodyPr/>
           <a:lstStyle/>
           <a:p>
-            <a:fld id="{AEDE98C0-8C4B-46D2-BDFF-C8BED06D48B7}" type="slidenum">
+            <a:fld id="{8A549A7A-79D8-4043-9FD9-5F04594BB898}" type="slidenum">
               <a:rPr lang="zh-CN" altLang="en-US" smtClean="0"/>
               <a:t>‹#›</a:t>
             </a:fld>
@@ -921,7 +921,7 @@
     </p:spTree>
     <p:extLst>
       <p:ext uri="{BB962C8B-B14F-4D97-AF65-F5344CB8AC3E}">
-        <p14:creationId xmlns:p14="http://schemas.microsoft.com/office/powerpoint/2010/main" val="3490101257"/>
+        <p14:creationId xmlns:p14="http://schemas.microsoft.com/office/powerpoint/2010/main" val="2553209748"/>
       </p:ext>
     </p:extLst>
   </p:cSld>
@@ -953,7 +953,7 @@
           <p:cNvPr id="2" name="标题 1">
             <a:extLst>
               <a:ext uri="{FF2B5EF4-FFF2-40B4-BE49-F238E27FC236}">
-                <a16:creationId xmlns:a16="http://schemas.microsoft.com/office/drawing/2014/main" id="{77FB9F22-6229-FE8D-245F-5F9FB2107A29}"/>
+                <a16:creationId xmlns:a16="http://schemas.microsoft.com/office/drawing/2014/main" id="{319CEB94-2BD5-C7D5-BCE1-1DFDF0F88441}"/>
               </a:ext>
             </a:extLst>
           </p:cNvPr>
@@ -990,7 +990,7 @@
           <p:cNvPr id="3" name="文本占位符 2">
             <a:extLst>
               <a:ext uri="{FF2B5EF4-FFF2-40B4-BE49-F238E27FC236}">
-                <a16:creationId xmlns:a16="http://schemas.microsoft.com/office/drawing/2014/main" id="{813C7ABA-B153-CA36-0EC8-B6C64DF04D36}"/>
+                <a16:creationId xmlns:a16="http://schemas.microsoft.com/office/drawing/2014/main" id="{FE7A3F7E-34D8-B474-E7AE-A504BCA7214A}"/>
               </a:ext>
             </a:extLst>
           </p:cNvPr>
@@ -1115,7 +1115,7 @@
           <p:cNvPr id="4" name="日期占位符 3">
             <a:extLst>
               <a:ext uri="{FF2B5EF4-FFF2-40B4-BE49-F238E27FC236}">
-                <a16:creationId xmlns:a16="http://schemas.microsoft.com/office/drawing/2014/main" id="{7F513593-E07B-F0AB-8B39-9530572BCF60}"/>
+                <a16:creationId xmlns:a16="http://schemas.microsoft.com/office/drawing/2014/main" id="{48307364-CC92-3A3D-48A3-733EBDF272B6}"/>
               </a:ext>
             </a:extLst>
           </p:cNvPr>
@@ -1131,7 +1131,7 @@
           <a:bodyPr/>
           <a:lstStyle/>
           <a:p>
-            <a:fld id="{B59A094B-B5FB-4C5F-80DE-C41D923D59B5}" type="datetimeFigureOut">
+            <a:fld id="{DEB90B9B-9A0C-401F-9CBB-342A2CAD2030}" type="datetimeFigureOut">
               <a:rPr lang="zh-CN" altLang="en-US" smtClean="0"/>
               <a:t>2024/3/10</a:t>
             </a:fld>
@@ -1144,7 +1144,7 @@
           <p:cNvPr id="5" name="页脚占位符 4">
             <a:extLst>
               <a:ext uri="{FF2B5EF4-FFF2-40B4-BE49-F238E27FC236}">
-                <a16:creationId xmlns:a16="http://schemas.microsoft.com/office/drawing/2014/main" id="{6EC88781-5D7B-F7A4-2F4A-1BCEF4052811}"/>
+                <a16:creationId xmlns:a16="http://schemas.microsoft.com/office/drawing/2014/main" id="{5B65EC2A-F9DD-140C-4362-2D7846F3DA54}"/>
               </a:ext>
             </a:extLst>
           </p:cNvPr>
@@ -1169,7 +1169,7 @@
           <p:cNvPr id="6" name="灯片编号占位符 5">
             <a:extLst>
               <a:ext uri="{FF2B5EF4-FFF2-40B4-BE49-F238E27FC236}">
-                <a16:creationId xmlns:a16="http://schemas.microsoft.com/office/drawing/2014/main" id="{953A5005-C2AE-511E-8F07-8FBEC8982F14}"/>
+                <a16:creationId xmlns:a16="http://schemas.microsoft.com/office/drawing/2014/main" id="{8081625C-413A-C9A6-E194-47660996D8FC}"/>
               </a:ext>
             </a:extLst>
           </p:cNvPr>
@@ -1185,7 +1185,7 @@
           <a:bodyPr/>
           <a:lstStyle/>
           <a:p>
-            <a:fld id="{AEDE98C0-8C4B-46D2-BDFF-C8BED06D48B7}" type="slidenum">
+            <a:fld id="{8A549A7A-79D8-4043-9FD9-5F04594BB898}" type="slidenum">
               <a:rPr lang="zh-CN" altLang="en-US" smtClean="0"/>
               <a:t>‹#›</a:t>
             </a:fld>
@@ -1196,7 +1196,7 @@
     </p:spTree>
     <p:extLst>
       <p:ext uri="{BB962C8B-B14F-4D97-AF65-F5344CB8AC3E}">
-        <p14:creationId xmlns:p14="http://schemas.microsoft.com/office/powerpoint/2010/main" val="1844703289"/>
+        <p14:creationId xmlns:p14="http://schemas.microsoft.com/office/powerpoint/2010/main" val="1374534420"/>
       </p:ext>
     </p:extLst>
   </p:cSld>
@@ -1228,7 +1228,7 @@
           <p:cNvPr id="2" name="标题 1">
             <a:extLst>
               <a:ext uri="{FF2B5EF4-FFF2-40B4-BE49-F238E27FC236}">
-                <a16:creationId xmlns:a16="http://schemas.microsoft.com/office/drawing/2014/main" id="{0B4C867F-FA4C-040D-5EDC-64461EB3E3C9}"/>
+                <a16:creationId xmlns:a16="http://schemas.microsoft.com/office/drawing/2014/main" id="{07414811-E7CE-D193-2570-A139EB9860B5}"/>
               </a:ext>
             </a:extLst>
           </p:cNvPr>
@@ -1256,7 +1256,7 @@
           <p:cNvPr id="3" name="内容占位符 2">
             <a:extLst>
               <a:ext uri="{FF2B5EF4-FFF2-40B4-BE49-F238E27FC236}">
-                <a16:creationId xmlns:a16="http://schemas.microsoft.com/office/drawing/2014/main" id="{EA2D208F-DA06-E24B-AEC6-9D137764E575}"/>
+                <a16:creationId xmlns:a16="http://schemas.microsoft.com/office/drawing/2014/main" id="{25D73387-889C-1EBD-258C-BA0CC25D23F5}"/>
               </a:ext>
             </a:extLst>
           </p:cNvPr>
@@ -1318,7 +1318,7 @@
           <p:cNvPr id="4" name="内容占位符 3">
             <a:extLst>
               <a:ext uri="{FF2B5EF4-FFF2-40B4-BE49-F238E27FC236}">
-                <a16:creationId xmlns:a16="http://schemas.microsoft.com/office/drawing/2014/main" id="{EE664DDD-B230-7F21-745F-738D195771F6}"/>
+                <a16:creationId xmlns:a16="http://schemas.microsoft.com/office/drawing/2014/main" id="{E98F34CF-DD8D-BAAB-EFD3-70875DADB4CD}"/>
               </a:ext>
             </a:extLst>
           </p:cNvPr>
@@ -1380,7 +1380,7 @@
           <p:cNvPr id="5" name="日期占位符 4">
             <a:extLst>
               <a:ext uri="{FF2B5EF4-FFF2-40B4-BE49-F238E27FC236}">
-                <a16:creationId xmlns:a16="http://schemas.microsoft.com/office/drawing/2014/main" id="{B5EDDB0E-C25D-3F83-DC66-33CA88254330}"/>
+                <a16:creationId xmlns:a16="http://schemas.microsoft.com/office/drawing/2014/main" id="{587CA850-5137-8EE0-07FF-D665DF7F8A56}"/>
               </a:ext>
             </a:extLst>
           </p:cNvPr>
@@ -1396,7 +1396,7 @@
           <a:bodyPr/>
           <a:lstStyle/>
           <a:p>
-            <a:fld id="{B59A094B-B5FB-4C5F-80DE-C41D923D59B5}" type="datetimeFigureOut">
+            <a:fld id="{DEB90B9B-9A0C-401F-9CBB-342A2CAD2030}" type="datetimeFigureOut">
               <a:rPr lang="zh-CN" altLang="en-US" smtClean="0"/>
               <a:t>2024/3/10</a:t>
             </a:fld>
@@ -1409,7 +1409,7 @@
           <p:cNvPr id="6" name="页脚占位符 5">
             <a:extLst>
               <a:ext uri="{FF2B5EF4-FFF2-40B4-BE49-F238E27FC236}">
-                <a16:creationId xmlns:a16="http://schemas.microsoft.com/office/drawing/2014/main" id="{5A4ADC42-AAC1-3E3E-84AF-5C5D481F3C03}"/>
+                <a16:creationId xmlns:a16="http://schemas.microsoft.com/office/drawing/2014/main" id="{56726129-D70F-6197-0D98-67C2C83E44D5}"/>
               </a:ext>
             </a:extLst>
           </p:cNvPr>
@@ -1434,7 +1434,7 @@
           <p:cNvPr id="7" name="灯片编号占位符 6">
             <a:extLst>
               <a:ext uri="{FF2B5EF4-FFF2-40B4-BE49-F238E27FC236}">
-                <a16:creationId xmlns:a16="http://schemas.microsoft.com/office/drawing/2014/main" id="{CF81AFB8-2CF3-A9FE-FC29-38BE2E8BC60A}"/>
+                <a16:creationId xmlns:a16="http://schemas.microsoft.com/office/drawing/2014/main" id="{E84B68EE-1E0E-0D29-AA1B-CA24E8849A1F}"/>
               </a:ext>
             </a:extLst>
           </p:cNvPr>
@@ -1450,7 +1450,7 @@
           <a:bodyPr/>
           <a:lstStyle/>
           <a:p>
-            <a:fld id="{AEDE98C0-8C4B-46D2-BDFF-C8BED06D48B7}" type="slidenum">
+            <a:fld id="{8A549A7A-79D8-4043-9FD9-5F04594BB898}" type="slidenum">
               <a:rPr lang="zh-CN" altLang="en-US" smtClean="0"/>
               <a:t>‹#›</a:t>
             </a:fld>
@@ -1461,7 +1461,7 @@
     </p:spTree>
     <p:extLst>
       <p:ext uri="{BB962C8B-B14F-4D97-AF65-F5344CB8AC3E}">
-        <p14:creationId xmlns:p14="http://schemas.microsoft.com/office/powerpoint/2010/main" val="3971170679"/>
+        <p14:creationId xmlns:p14="http://schemas.microsoft.com/office/powerpoint/2010/main" val="431589890"/>
       </p:ext>
     </p:extLst>
   </p:cSld>
@@ -1493,7 +1493,7 @@
           <p:cNvPr id="2" name="标题 1">
             <a:extLst>
               <a:ext uri="{FF2B5EF4-FFF2-40B4-BE49-F238E27FC236}">
-                <a16:creationId xmlns:a16="http://schemas.microsoft.com/office/drawing/2014/main" id="{E704B81E-36A9-086D-C0C3-9D227A037257}"/>
+                <a16:creationId xmlns:a16="http://schemas.microsoft.com/office/drawing/2014/main" id="{55858062-D46E-5596-59F8-1AD165B9010F}"/>
               </a:ext>
             </a:extLst>
           </p:cNvPr>
@@ -1526,7 +1526,7 @@
           <p:cNvPr id="3" name="文本占位符 2">
             <a:extLst>
               <a:ext uri="{FF2B5EF4-FFF2-40B4-BE49-F238E27FC236}">
-                <a16:creationId xmlns:a16="http://schemas.microsoft.com/office/drawing/2014/main" id="{9AABDFFD-1791-6D25-41C8-C69E147E14D8}"/>
+                <a16:creationId xmlns:a16="http://schemas.microsoft.com/office/drawing/2014/main" id="{D1CEBAD1-93FB-B97F-ACA0-B179848C22DE}"/>
               </a:ext>
             </a:extLst>
           </p:cNvPr>
@@ -1597,7 +1597,7 @@
           <p:cNvPr id="4" name="内容占位符 3">
             <a:extLst>
               <a:ext uri="{FF2B5EF4-FFF2-40B4-BE49-F238E27FC236}">
-                <a16:creationId xmlns:a16="http://schemas.microsoft.com/office/drawing/2014/main" id="{1A2E408F-5DA6-C013-6C4F-FA11D1B18F72}"/>
+                <a16:creationId xmlns:a16="http://schemas.microsoft.com/office/drawing/2014/main" id="{276EB802-EF98-7A10-8D2C-802DE1B89ED3}"/>
               </a:ext>
             </a:extLst>
           </p:cNvPr>
@@ -1659,7 +1659,7 @@
           <p:cNvPr id="5" name="文本占位符 4">
             <a:extLst>
               <a:ext uri="{FF2B5EF4-FFF2-40B4-BE49-F238E27FC236}">
-                <a16:creationId xmlns:a16="http://schemas.microsoft.com/office/drawing/2014/main" id="{97E6C479-F35E-87D9-E871-7DFED215E1C0}"/>
+                <a16:creationId xmlns:a16="http://schemas.microsoft.com/office/drawing/2014/main" id="{728D0FDB-3FD3-AE7B-C285-1D8AD9EADCA4}"/>
               </a:ext>
             </a:extLst>
           </p:cNvPr>
@@ -1730,7 +1730,7 @@
           <p:cNvPr id="6" name="内容占位符 5">
             <a:extLst>
               <a:ext uri="{FF2B5EF4-FFF2-40B4-BE49-F238E27FC236}">
-                <a16:creationId xmlns:a16="http://schemas.microsoft.com/office/drawing/2014/main" id="{33E3E16C-4B55-9E48-25D0-F2450D0FCF50}"/>
+                <a16:creationId xmlns:a16="http://schemas.microsoft.com/office/drawing/2014/main" id="{11B73D75-D69E-E388-3367-5C8451FA45E4}"/>
               </a:ext>
             </a:extLst>
           </p:cNvPr>
@@ -1792,7 +1792,7 @@
           <p:cNvPr id="7" name="日期占位符 6">
             <a:extLst>
               <a:ext uri="{FF2B5EF4-FFF2-40B4-BE49-F238E27FC236}">
-                <a16:creationId xmlns:a16="http://schemas.microsoft.com/office/drawing/2014/main" id="{F91471F2-D4E5-B0B6-D7D8-85145D2AA14B}"/>
+                <a16:creationId xmlns:a16="http://schemas.microsoft.com/office/drawing/2014/main" id="{E128071C-2992-A484-5C8F-B680678D0574}"/>
               </a:ext>
             </a:extLst>
           </p:cNvPr>
@@ -1808,7 +1808,7 @@
           <a:bodyPr/>
           <a:lstStyle/>
           <a:p>
-            <a:fld id="{B59A094B-B5FB-4C5F-80DE-C41D923D59B5}" type="datetimeFigureOut">
+            <a:fld id="{DEB90B9B-9A0C-401F-9CBB-342A2CAD2030}" type="datetimeFigureOut">
               <a:rPr lang="zh-CN" altLang="en-US" smtClean="0"/>
               <a:t>2024/3/10</a:t>
             </a:fld>
@@ -1821,7 +1821,7 @@
           <p:cNvPr id="8" name="页脚占位符 7">
             <a:extLst>
               <a:ext uri="{FF2B5EF4-FFF2-40B4-BE49-F238E27FC236}">
-                <a16:creationId xmlns:a16="http://schemas.microsoft.com/office/drawing/2014/main" id="{D304ACCC-CD41-4514-C6CA-AF80C12C5B9F}"/>
+                <a16:creationId xmlns:a16="http://schemas.microsoft.com/office/drawing/2014/main" id="{F859BEA1-4819-1152-E321-30AFA5FA00C1}"/>
               </a:ext>
             </a:extLst>
           </p:cNvPr>
@@ -1846,7 +1846,7 @@
           <p:cNvPr id="9" name="灯片编号占位符 8">
             <a:extLst>
               <a:ext uri="{FF2B5EF4-FFF2-40B4-BE49-F238E27FC236}">
-                <a16:creationId xmlns:a16="http://schemas.microsoft.com/office/drawing/2014/main" id="{A69BF9A6-8C74-3390-9ECA-AC355D677219}"/>
+                <a16:creationId xmlns:a16="http://schemas.microsoft.com/office/drawing/2014/main" id="{1FDFD68C-A9B6-96F8-0AD4-782495486E87}"/>
               </a:ext>
             </a:extLst>
           </p:cNvPr>
@@ -1862,7 +1862,7 @@
           <a:bodyPr/>
           <a:lstStyle/>
           <a:p>
-            <a:fld id="{AEDE98C0-8C4B-46D2-BDFF-C8BED06D48B7}" type="slidenum">
+            <a:fld id="{8A549A7A-79D8-4043-9FD9-5F04594BB898}" type="slidenum">
               <a:rPr lang="zh-CN" altLang="en-US" smtClean="0"/>
               <a:t>‹#›</a:t>
             </a:fld>
@@ -1873,7 +1873,7 @@
     </p:spTree>
     <p:extLst>
       <p:ext uri="{BB962C8B-B14F-4D97-AF65-F5344CB8AC3E}">
-        <p14:creationId xmlns:p14="http://schemas.microsoft.com/office/powerpoint/2010/main" val="2539344782"/>
+        <p14:creationId xmlns:p14="http://schemas.microsoft.com/office/powerpoint/2010/main" val="652768745"/>
       </p:ext>
     </p:extLst>
   </p:cSld>
@@ -1905,7 +1905,7 @@
           <p:cNvPr id="2" name="标题 1">
             <a:extLst>
               <a:ext uri="{FF2B5EF4-FFF2-40B4-BE49-F238E27FC236}">
-                <a16:creationId xmlns:a16="http://schemas.microsoft.com/office/drawing/2014/main" id="{FC80D67E-9A38-AABF-17D7-21E7CF29C962}"/>
+                <a16:creationId xmlns:a16="http://schemas.microsoft.com/office/drawing/2014/main" id="{13DCC3F6-1DA9-977C-8322-C33265F5BF68}"/>
               </a:ext>
             </a:extLst>
           </p:cNvPr>
@@ -1933,7 +1933,7 @@
           <p:cNvPr id="3" name="日期占位符 2">
             <a:extLst>
               <a:ext uri="{FF2B5EF4-FFF2-40B4-BE49-F238E27FC236}">
-                <a16:creationId xmlns:a16="http://schemas.microsoft.com/office/drawing/2014/main" id="{F733791D-2351-AD11-BCCD-2CE4C7B9C9A1}"/>
+                <a16:creationId xmlns:a16="http://schemas.microsoft.com/office/drawing/2014/main" id="{6AC2DBA2-5218-479C-9040-7699CD87D5BC}"/>
               </a:ext>
             </a:extLst>
           </p:cNvPr>
@@ -1949,7 +1949,7 @@
           <a:bodyPr/>
           <a:lstStyle/>
           <a:p>
-            <a:fld id="{B59A094B-B5FB-4C5F-80DE-C41D923D59B5}" type="datetimeFigureOut">
+            <a:fld id="{DEB90B9B-9A0C-401F-9CBB-342A2CAD2030}" type="datetimeFigureOut">
               <a:rPr lang="zh-CN" altLang="en-US" smtClean="0"/>
               <a:t>2024/3/10</a:t>
             </a:fld>
@@ -1962,7 +1962,7 @@
           <p:cNvPr id="4" name="页脚占位符 3">
             <a:extLst>
               <a:ext uri="{FF2B5EF4-FFF2-40B4-BE49-F238E27FC236}">
-                <a16:creationId xmlns:a16="http://schemas.microsoft.com/office/drawing/2014/main" id="{3E0C7F60-8351-9E26-5F9C-0F72AF1BB024}"/>
+                <a16:creationId xmlns:a16="http://schemas.microsoft.com/office/drawing/2014/main" id="{79A0362F-71AC-4B61-BDEF-D8EECEC62086}"/>
               </a:ext>
             </a:extLst>
           </p:cNvPr>
@@ -1987,7 +1987,7 @@
           <p:cNvPr id="5" name="灯片编号占位符 4">
             <a:extLst>
               <a:ext uri="{FF2B5EF4-FFF2-40B4-BE49-F238E27FC236}">
-                <a16:creationId xmlns:a16="http://schemas.microsoft.com/office/drawing/2014/main" id="{578EEA72-5EAA-1889-D222-CCC85B648A05}"/>
+                <a16:creationId xmlns:a16="http://schemas.microsoft.com/office/drawing/2014/main" id="{3D6D4A29-4D7B-4A1F-97EE-4750171B8D19}"/>
               </a:ext>
             </a:extLst>
           </p:cNvPr>
@@ -2003,7 +2003,7 @@
           <a:bodyPr/>
           <a:lstStyle/>
           <a:p>
-            <a:fld id="{AEDE98C0-8C4B-46D2-BDFF-C8BED06D48B7}" type="slidenum">
+            <a:fld id="{8A549A7A-79D8-4043-9FD9-5F04594BB898}" type="slidenum">
               <a:rPr lang="zh-CN" altLang="en-US" smtClean="0"/>
               <a:t>‹#›</a:t>
             </a:fld>
@@ -2014,7 +2014,7 @@
     </p:spTree>
     <p:extLst>
       <p:ext uri="{BB962C8B-B14F-4D97-AF65-F5344CB8AC3E}">
-        <p14:creationId xmlns:p14="http://schemas.microsoft.com/office/powerpoint/2010/main" val="316299416"/>
+        <p14:creationId xmlns:p14="http://schemas.microsoft.com/office/powerpoint/2010/main" val="2551541158"/>
       </p:ext>
     </p:extLst>
   </p:cSld>
@@ -2046,7 +2046,7 @@
           <p:cNvPr id="2" name="日期占位符 1">
             <a:extLst>
               <a:ext uri="{FF2B5EF4-FFF2-40B4-BE49-F238E27FC236}">
-                <a16:creationId xmlns:a16="http://schemas.microsoft.com/office/drawing/2014/main" id="{CEDFAD8E-4FAE-E232-13D7-2468908A8ED6}"/>
+                <a16:creationId xmlns:a16="http://schemas.microsoft.com/office/drawing/2014/main" id="{AC607226-8690-C2B9-08F6-F36F0BFD0F05}"/>
               </a:ext>
             </a:extLst>
           </p:cNvPr>
@@ -2062,7 +2062,7 @@
           <a:bodyPr/>
           <a:lstStyle/>
           <a:p>
-            <a:fld id="{B59A094B-B5FB-4C5F-80DE-C41D923D59B5}" type="datetimeFigureOut">
+            <a:fld id="{DEB90B9B-9A0C-401F-9CBB-342A2CAD2030}" type="datetimeFigureOut">
               <a:rPr lang="zh-CN" altLang="en-US" smtClean="0"/>
               <a:t>2024/3/10</a:t>
             </a:fld>
@@ -2075,7 +2075,7 @@
           <p:cNvPr id="3" name="页脚占位符 2">
             <a:extLst>
               <a:ext uri="{FF2B5EF4-FFF2-40B4-BE49-F238E27FC236}">
-                <a16:creationId xmlns:a16="http://schemas.microsoft.com/office/drawing/2014/main" id="{97D03E8F-E22D-683B-1052-64E5F231A8AB}"/>
+                <a16:creationId xmlns:a16="http://schemas.microsoft.com/office/drawing/2014/main" id="{78CEA060-A54D-CC0C-1C09-57BCAAE52E4A}"/>
               </a:ext>
             </a:extLst>
           </p:cNvPr>
@@ -2100,7 +2100,7 @@
           <p:cNvPr id="4" name="灯片编号占位符 3">
             <a:extLst>
               <a:ext uri="{FF2B5EF4-FFF2-40B4-BE49-F238E27FC236}">
-                <a16:creationId xmlns:a16="http://schemas.microsoft.com/office/drawing/2014/main" id="{68D6900E-68A9-71C7-A1EE-0ED47BBCAF06}"/>
+                <a16:creationId xmlns:a16="http://schemas.microsoft.com/office/drawing/2014/main" id="{937BA7C0-5626-C49E-D398-098E58B6DC20}"/>
               </a:ext>
             </a:extLst>
           </p:cNvPr>
@@ -2116,7 +2116,7 @@
           <a:bodyPr/>
           <a:lstStyle/>
           <a:p>
-            <a:fld id="{AEDE98C0-8C4B-46D2-BDFF-C8BED06D48B7}" type="slidenum">
+            <a:fld id="{8A549A7A-79D8-4043-9FD9-5F04594BB898}" type="slidenum">
               <a:rPr lang="zh-CN" altLang="en-US" smtClean="0"/>
               <a:t>‹#›</a:t>
             </a:fld>
@@ -2127,7 +2127,7 @@
     </p:spTree>
     <p:extLst>
       <p:ext uri="{BB962C8B-B14F-4D97-AF65-F5344CB8AC3E}">
-        <p14:creationId xmlns:p14="http://schemas.microsoft.com/office/powerpoint/2010/main" val="2574616327"/>
+        <p14:creationId xmlns:p14="http://schemas.microsoft.com/office/powerpoint/2010/main" val="248291569"/>
       </p:ext>
     </p:extLst>
   </p:cSld>
@@ -2159,7 +2159,7 @@
           <p:cNvPr id="2" name="标题 1">
             <a:extLst>
               <a:ext uri="{FF2B5EF4-FFF2-40B4-BE49-F238E27FC236}">
-                <a16:creationId xmlns:a16="http://schemas.microsoft.com/office/drawing/2014/main" id="{185C1802-2432-DCF6-F708-35F2802FE6D7}"/>
+                <a16:creationId xmlns:a16="http://schemas.microsoft.com/office/drawing/2014/main" id="{FD41280F-8933-221C-33BD-01FA90819C84}"/>
               </a:ext>
             </a:extLst>
           </p:cNvPr>
@@ -2196,7 +2196,7 @@
           <p:cNvPr id="3" name="内容占位符 2">
             <a:extLst>
               <a:ext uri="{FF2B5EF4-FFF2-40B4-BE49-F238E27FC236}">
-                <a16:creationId xmlns:a16="http://schemas.microsoft.com/office/drawing/2014/main" id="{0D02CDAD-D279-43F3-08FB-DCDEE202DA86}"/>
+                <a16:creationId xmlns:a16="http://schemas.microsoft.com/office/drawing/2014/main" id="{7CBE99D6-0A9F-89C7-198E-A3CC78F1C570}"/>
               </a:ext>
             </a:extLst>
           </p:cNvPr>
@@ -2286,7 +2286,7 @@
           <p:cNvPr id="4" name="文本占位符 3">
             <a:extLst>
               <a:ext uri="{FF2B5EF4-FFF2-40B4-BE49-F238E27FC236}">
-                <a16:creationId xmlns:a16="http://schemas.microsoft.com/office/drawing/2014/main" id="{EBE40A30-97DF-D512-5078-8C2D737D1EC4}"/>
+                <a16:creationId xmlns:a16="http://schemas.microsoft.com/office/drawing/2014/main" id="{DE81C331-B373-E740-9917-D7CE7E5F93DD}"/>
               </a:ext>
             </a:extLst>
           </p:cNvPr>
@@ -2357,7 +2357,7 @@
           <p:cNvPr id="5" name="日期占位符 4">
             <a:extLst>
               <a:ext uri="{FF2B5EF4-FFF2-40B4-BE49-F238E27FC236}">
-                <a16:creationId xmlns:a16="http://schemas.microsoft.com/office/drawing/2014/main" id="{7FB50F0C-8435-83BA-C5AE-7E08E658C627}"/>
+                <a16:creationId xmlns:a16="http://schemas.microsoft.com/office/drawing/2014/main" id="{7DE013E9-43D5-AFC4-7877-D82221364AE3}"/>
               </a:ext>
             </a:extLst>
           </p:cNvPr>
@@ -2373,7 +2373,7 @@
           <a:bodyPr/>
           <a:lstStyle/>
           <a:p>
-            <a:fld id="{B59A094B-B5FB-4C5F-80DE-C41D923D59B5}" type="datetimeFigureOut">
+            <a:fld id="{DEB90B9B-9A0C-401F-9CBB-342A2CAD2030}" type="datetimeFigureOut">
               <a:rPr lang="zh-CN" altLang="en-US" smtClean="0"/>
               <a:t>2024/3/10</a:t>
             </a:fld>
@@ -2386,7 +2386,7 @@
           <p:cNvPr id="6" name="页脚占位符 5">
             <a:extLst>
               <a:ext uri="{FF2B5EF4-FFF2-40B4-BE49-F238E27FC236}">
-                <a16:creationId xmlns:a16="http://schemas.microsoft.com/office/drawing/2014/main" id="{A40EF3A3-877B-8E5C-EBA3-F69150D159E9}"/>
+                <a16:creationId xmlns:a16="http://schemas.microsoft.com/office/drawing/2014/main" id="{49FFB8F3-6F6E-3D16-B1E5-F0EC9F041C8A}"/>
               </a:ext>
             </a:extLst>
           </p:cNvPr>
@@ -2411,7 +2411,7 @@
           <p:cNvPr id="7" name="灯片编号占位符 6">
             <a:extLst>
               <a:ext uri="{FF2B5EF4-FFF2-40B4-BE49-F238E27FC236}">
-                <a16:creationId xmlns:a16="http://schemas.microsoft.com/office/drawing/2014/main" id="{9388F90D-23E4-205F-6194-975408CE0B0B}"/>
+                <a16:creationId xmlns:a16="http://schemas.microsoft.com/office/drawing/2014/main" id="{CB333D28-668F-1C25-6AFC-C4448093D803}"/>
               </a:ext>
             </a:extLst>
           </p:cNvPr>
@@ -2427,7 +2427,7 @@
           <a:bodyPr/>
           <a:lstStyle/>
           <a:p>
-            <a:fld id="{AEDE98C0-8C4B-46D2-BDFF-C8BED06D48B7}" type="slidenum">
+            <a:fld id="{8A549A7A-79D8-4043-9FD9-5F04594BB898}" type="slidenum">
               <a:rPr lang="zh-CN" altLang="en-US" smtClean="0"/>
               <a:t>‹#›</a:t>
             </a:fld>
@@ -2438,7 +2438,7 @@
     </p:spTree>
     <p:extLst>
       <p:ext uri="{BB962C8B-B14F-4D97-AF65-F5344CB8AC3E}">
-        <p14:creationId xmlns:p14="http://schemas.microsoft.com/office/powerpoint/2010/main" val="1946961178"/>
+        <p14:creationId xmlns:p14="http://schemas.microsoft.com/office/powerpoint/2010/main" val="690997689"/>
       </p:ext>
     </p:extLst>
   </p:cSld>
@@ -2470,7 +2470,7 @@
           <p:cNvPr id="2" name="标题 1">
             <a:extLst>
               <a:ext uri="{FF2B5EF4-FFF2-40B4-BE49-F238E27FC236}">
-                <a16:creationId xmlns:a16="http://schemas.microsoft.com/office/drawing/2014/main" id="{87311D2D-B095-08B0-464F-9807C3F9376E}"/>
+                <a16:creationId xmlns:a16="http://schemas.microsoft.com/office/drawing/2014/main" id="{CFF05B01-3124-ABBD-055C-A39A379E0159}"/>
               </a:ext>
             </a:extLst>
           </p:cNvPr>
@@ -2507,7 +2507,7 @@
           <p:cNvPr id="3" name="图片占位符 2">
             <a:extLst>
               <a:ext uri="{FF2B5EF4-FFF2-40B4-BE49-F238E27FC236}">
-                <a16:creationId xmlns:a16="http://schemas.microsoft.com/office/drawing/2014/main" id="{EFA53712-4F93-3786-8130-4606981FB27D}"/>
+                <a16:creationId xmlns:a16="http://schemas.microsoft.com/office/drawing/2014/main" id="{F1991272-0AEB-B30A-4196-F163689749FC}"/>
               </a:ext>
             </a:extLst>
           </p:cNvPr>
@@ -2574,7 +2574,7 @@
           <p:cNvPr id="4" name="文本占位符 3">
             <a:extLst>
               <a:ext uri="{FF2B5EF4-FFF2-40B4-BE49-F238E27FC236}">
-                <a16:creationId xmlns:a16="http://schemas.microsoft.com/office/drawing/2014/main" id="{406B9200-9B89-1402-4C1D-4DA30A19D037}"/>
+                <a16:creationId xmlns:a16="http://schemas.microsoft.com/office/drawing/2014/main" id="{95ECC927-C3BD-4FC9-B911-BCB3A3D8D081}"/>
               </a:ext>
             </a:extLst>
           </p:cNvPr>
@@ -2645,7 +2645,7 @@
           <p:cNvPr id="5" name="日期占位符 4">
             <a:extLst>
               <a:ext uri="{FF2B5EF4-FFF2-40B4-BE49-F238E27FC236}">
-                <a16:creationId xmlns:a16="http://schemas.microsoft.com/office/drawing/2014/main" id="{3D1E219B-C6C1-EFA0-3255-8C101EF9CF3D}"/>
+                <a16:creationId xmlns:a16="http://schemas.microsoft.com/office/drawing/2014/main" id="{AE732C43-2E5A-62FE-3313-9F3A937D7B32}"/>
               </a:ext>
             </a:extLst>
           </p:cNvPr>
@@ -2661,7 +2661,7 @@
           <a:bodyPr/>
           <a:lstStyle/>
           <a:p>
-            <a:fld id="{B59A094B-B5FB-4C5F-80DE-C41D923D59B5}" type="datetimeFigureOut">
+            <a:fld id="{DEB90B9B-9A0C-401F-9CBB-342A2CAD2030}" type="datetimeFigureOut">
               <a:rPr lang="zh-CN" altLang="en-US" smtClean="0"/>
               <a:t>2024/3/10</a:t>
             </a:fld>
@@ -2674,7 +2674,7 @@
           <p:cNvPr id="6" name="页脚占位符 5">
             <a:extLst>
               <a:ext uri="{FF2B5EF4-FFF2-40B4-BE49-F238E27FC236}">
-                <a16:creationId xmlns:a16="http://schemas.microsoft.com/office/drawing/2014/main" id="{8E2C8B3B-65FD-7571-22F5-0D04C96F4D3B}"/>
+                <a16:creationId xmlns:a16="http://schemas.microsoft.com/office/drawing/2014/main" id="{69763369-8E0C-A88D-0F71-0542DC0A2372}"/>
               </a:ext>
             </a:extLst>
           </p:cNvPr>
@@ -2699,7 +2699,7 @@
           <p:cNvPr id="7" name="灯片编号占位符 6">
             <a:extLst>
               <a:ext uri="{FF2B5EF4-FFF2-40B4-BE49-F238E27FC236}">
-                <a16:creationId xmlns:a16="http://schemas.microsoft.com/office/drawing/2014/main" id="{30210490-038A-902D-15C6-B10A3CA86D60}"/>
+                <a16:creationId xmlns:a16="http://schemas.microsoft.com/office/drawing/2014/main" id="{2789B397-7021-081E-BE18-5BC099A1905D}"/>
               </a:ext>
             </a:extLst>
           </p:cNvPr>
@@ -2715,7 +2715,7 @@
           <a:bodyPr/>
           <a:lstStyle/>
           <a:p>
-            <a:fld id="{AEDE98C0-8C4B-46D2-BDFF-C8BED06D48B7}" type="slidenum">
+            <a:fld id="{8A549A7A-79D8-4043-9FD9-5F04594BB898}" type="slidenum">
               <a:rPr lang="zh-CN" altLang="en-US" smtClean="0"/>
               <a:t>‹#›</a:t>
             </a:fld>
@@ -2726,7 +2726,7 @@
     </p:spTree>
     <p:extLst>
       <p:ext uri="{BB962C8B-B14F-4D97-AF65-F5344CB8AC3E}">
-        <p14:creationId xmlns:p14="http://schemas.microsoft.com/office/powerpoint/2010/main" val="87513697"/>
+        <p14:creationId xmlns:p14="http://schemas.microsoft.com/office/powerpoint/2010/main" val="1902604184"/>
       </p:ext>
     </p:extLst>
   </p:cSld>
@@ -2763,7 +2763,7 @@
           <p:cNvPr id="2" name="标题占位符 1">
             <a:extLst>
               <a:ext uri="{FF2B5EF4-FFF2-40B4-BE49-F238E27FC236}">
-                <a16:creationId xmlns:a16="http://schemas.microsoft.com/office/drawing/2014/main" id="{5E721390-1B74-9ED3-3AA1-2E406DE6331A}"/>
+                <a16:creationId xmlns:a16="http://schemas.microsoft.com/office/drawing/2014/main" id="{76C84E66-19F1-F427-67DD-D30F22EF57C3}"/>
               </a:ext>
             </a:extLst>
           </p:cNvPr>
@@ -2801,7 +2801,7 @@
           <p:cNvPr id="3" name="文本占位符 2">
             <a:extLst>
               <a:ext uri="{FF2B5EF4-FFF2-40B4-BE49-F238E27FC236}">
-                <a16:creationId xmlns:a16="http://schemas.microsoft.com/office/drawing/2014/main" id="{E2013F14-A16E-0273-A112-3A50B474DD37}"/>
+                <a16:creationId xmlns:a16="http://schemas.microsoft.com/office/drawing/2014/main" id="{C41B2B3B-2C45-BAA4-C5E5-AA99D013320A}"/>
               </a:ext>
             </a:extLst>
           </p:cNvPr>
@@ -2868,7 +2868,7 @@
           <p:cNvPr id="4" name="日期占位符 3">
             <a:extLst>
               <a:ext uri="{FF2B5EF4-FFF2-40B4-BE49-F238E27FC236}">
-                <a16:creationId xmlns:a16="http://schemas.microsoft.com/office/drawing/2014/main" id="{69DFBE13-8767-E4D0-7523-6B147D757B30}"/>
+                <a16:creationId xmlns:a16="http://schemas.microsoft.com/office/drawing/2014/main" id="{D1EBE79D-2A99-5F96-6996-790484D5EE2A}"/>
               </a:ext>
             </a:extLst>
           </p:cNvPr>
@@ -2902,7 +2902,7 @@
             </a:lvl1pPr>
           </a:lstStyle>
           <a:p>
-            <a:fld id="{B59A094B-B5FB-4C5F-80DE-C41D923D59B5}" type="datetimeFigureOut">
+            <a:fld id="{DEB90B9B-9A0C-401F-9CBB-342A2CAD2030}" type="datetimeFigureOut">
               <a:rPr lang="zh-CN" altLang="en-US" smtClean="0"/>
               <a:t>2024/3/10</a:t>
             </a:fld>
@@ -2915,7 +2915,7 @@
           <p:cNvPr id="5" name="页脚占位符 4">
             <a:extLst>
               <a:ext uri="{FF2B5EF4-FFF2-40B4-BE49-F238E27FC236}">
-                <a16:creationId xmlns:a16="http://schemas.microsoft.com/office/drawing/2014/main" id="{ED5C2FFF-28EB-8A58-6469-641F441C8E6E}"/>
+                <a16:creationId xmlns:a16="http://schemas.microsoft.com/office/drawing/2014/main" id="{7F784A26-A08D-7612-2F1C-FBE96F1B2F42}"/>
               </a:ext>
             </a:extLst>
           </p:cNvPr>
@@ -2958,7 +2958,7 @@
           <p:cNvPr id="6" name="灯片编号占位符 5">
             <a:extLst>
               <a:ext uri="{FF2B5EF4-FFF2-40B4-BE49-F238E27FC236}">
-                <a16:creationId xmlns:a16="http://schemas.microsoft.com/office/drawing/2014/main" id="{FA06BDDD-6237-A5E5-D163-4EC3FEEEC7EC}"/>
+                <a16:creationId xmlns:a16="http://schemas.microsoft.com/office/drawing/2014/main" id="{51A81E65-A918-00A8-1947-A4239FA4E53E}"/>
               </a:ext>
             </a:extLst>
           </p:cNvPr>
@@ -2992,7 +2992,7 @@
             </a:lvl1pPr>
           </a:lstStyle>
           <a:p>
-            <a:fld id="{AEDE98C0-8C4B-46D2-BDFF-C8BED06D48B7}" type="slidenum">
+            <a:fld id="{8A549A7A-79D8-4043-9FD9-5F04594BB898}" type="slidenum">
               <a:rPr lang="zh-CN" altLang="en-US" smtClean="0"/>
               <a:t>‹#›</a:t>
             </a:fld>
@@ -3003,7 +3003,7 @@
     </p:spTree>
     <p:extLst>
       <p:ext uri="{BB962C8B-B14F-4D97-AF65-F5344CB8AC3E}">
-        <p14:creationId xmlns:p14="http://schemas.microsoft.com/office/powerpoint/2010/main" val="1761797041"/>
+        <p14:creationId xmlns:p14="http://schemas.microsoft.com/office/powerpoint/2010/main" val="565096822"/>
       </p:ext>
     </p:extLst>
   </p:cSld>
@@ -3323,7 +3323,7 @@
       </p:grpSpPr>
       <p:pic>
         <p:nvPicPr>
-          <p:cNvPr id="1481730" name="Picture 2" descr="1446"/>
+          <p:cNvPr id="1482754" name="Picture 2" descr="1447"/>
           <p:cNvPicPr>
             <a:picLocks noChangeAspect="1" noChangeArrowheads="1"/>
           </p:cNvPicPr>
@@ -3344,8 +3344,8 @@
         </p:blipFill>
         <p:spPr bwMode="auto">
           <a:xfrm>
-            <a:off x="1524000" y="1"/>
-            <a:ext cx="9144000" cy="6723063"/>
+            <a:off x="1524000" y="0"/>
+            <a:ext cx="9144000" cy="6789738"/>
           </a:xfrm>
           <a:prstGeom prst="rect">
             <a:avLst/>
